--- a/data/files/Eng/MaghMela.pptx
+++ b/data/files/Eng/MaghMela.pptx
@@ -1830,6 +1830,47 @@
         </a:p>
       </dgm:t>
     </dgm:pt>
+    <dgm:pt modelId="{855409B7-BBB7-4A1B-AE1B-5933A460AFB8}">
+      <dgm:prSet phldrT="[Text]"/>
+      <dgm:spPr/>
+      <dgm:t>
+        <a:bodyPr/>
+        <a:lstStyle/>
+        <a:p>
+          <a:r>
+            <a:rPr lang="en-US" dirty="0"/>
+            <a:t>Teil der </a:t>
+          </a:r>
+          <a:r>
+            <a:rPr lang="en-US" dirty="0" err="1"/>
+            <a:t>Pushkaram</a:t>
+          </a:r>
+          <a:endParaRPr lang="en-DE" dirty="0"/>
+        </a:p>
+      </dgm:t>
+    </dgm:pt>
+    <dgm:pt modelId="{FD07587F-E87F-4C68-9A04-3A62858C2100}" type="parTrans" cxnId="{8652B861-467B-45BF-95B7-3841EC219A5F}">
+      <dgm:prSet/>
+      <dgm:spPr/>
+      <dgm:t>
+        <a:bodyPr/>
+        <a:lstStyle/>
+        <a:p>
+          <a:endParaRPr lang="en-DE"/>
+        </a:p>
+      </dgm:t>
+    </dgm:pt>
+    <dgm:pt modelId="{5A13DC08-F7AC-4C26-8489-CAC901EDBD75}" type="sibTrans" cxnId="{8652B861-467B-45BF-95B7-3841EC219A5F}">
+      <dgm:prSet/>
+      <dgm:spPr/>
+      <dgm:t>
+        <a:bodyPr/>
+        <a:lstStyle/>
+        <a:p>
+          <a:endParaRPr lang="en-DE"/>
+        </a:p>
+      </dgm:t>
+    </dgm:pt>
     <dgm:pt modelId="{48CF11CF-6F32-4B3C-AED7-3FE0509EC306}" type="pres">
       <dgm:prSet presAssocID="{2A6FF42B-0B39-45E1-8F5A-4558CE8096C5}" presName="cycle" presStyleCnt="0">
         <dgm:presLayoutVars>
@@ -1840,7 +1881,7 @@
       <dgm:spPr/>
     </dgm:pt>
     <dgm:pt modelId="{D28752A4-4110-4F39-AB58-AA07DCF96C81}" type="pres">
-      <dgm:prSet presAssocID="{E8EFD7E3-1989-4CC5-B491-6399EDA33209}" presName="node" presStyleLbl="node1" presStyleIdx="0" presStyleCnt="4">
+      <dgm:prSet presAssocID="{E8EFD7E3-1989-4CC5-B491-6399EDA33209}" presName="node" presStyleLbl="node1" presStyleIdx="0" presStyleCnt="5">
         <dgm:presLayoutVars>
           <dgm:bulletEnabled val="1"/>
         </dgm:presLayoutVars>
@@ -1852,11 +1893,11 @@
       <dgm:spPr/>
     </dgm:pt>
     <dgm:pt modelId="{0C48017A-9D6B-47AF-9403-5E45C94889C0}" type="pres">
-      <dgm:prSet presAssocID="{9341DCFE-B742-435B-B4E6-AE2877F23A24}" presName="sibTrans" presStyleLbl="sibTrans1D1" presStyleIdx="0" presStyleCnt="4"/>
+      <dgm:prSet presAssocID="{9341DCFE-B742-435B-B4E6-AE2877F23A24}" presName="sibTrans" presStyleLbl="sibTrans1D1" presStyleIdx="0" presStyleCnt="5"/>
       <dgm:spPr/>
     </dgm:pt>
     <dgm:pt modelId="{EC550A31-9A93-4057-BF4F-D267D90256D2}" type="pres">
-      <dgm:prSet presAssocID="{5326E698-E797-4E87-BA55-699F1EE59DFB}" presName="node" presStyleLbl="node1" presStyleIdx="1" presStyleCnt="4">
+      <dgm:prSet presAssocID="{5326E698-E797-4E87-BA55-699F1EE59DFB}" presName="node" presStyleLbl="node1" presStyleIdx="1" presStyleCnt="5">
         <dgm:presLayoutVars>
           <dgm:bulletEnabled val="1"/>
         </dgm:presLayoutVars>
@@ -1868,11 +1909,11 @@
       <dgm:spPr/>
     </dgm:pt>
     <dgm:pt modelId="{DE131621-9C63-4EFE-AFD0-7EAA2DB6E31C}" type="pres">
-      <dgm:prSet presAssocID="{C9A3AD8A-4CC4-4676-ACAF-7DB15693F2A9}" presName="sibTrans" presStyleLbl="sibTrans1D1" presStyleIdx="1" presStyleCnt="4"/>
+      <dgm:prSet presAssocID="{C9A3AD8A-4CC4-4676-ACAF-7DB15693F2A9}" presName="sibTrans" presStyleLbl="sibTrans1D1" presStyleIdx="1" presStyleCnt="5"/>
       <dgm:spPr/>
     </dgm:pt>
     <dgm:pt modelId="{924CA638-D49A-4657-9D62-645CF2E5FEB8}" type="pres">
-      <dgm:prSet presAssocID="{BF81C9A8-CF07-4A28-B636-017D4FA83B8F}" presName="node" presStyleLbl="node1" presStyleIdx="2" presStyleCnt="4">
+      <dgm:prSet presAssocID="{BF81C9A8-CF07-4A28-B636-017D4FA83B8F}" presName="node" presStyleLbl="node1" presStyleIdx="2" presStyleCnt="5">
         <dgm:presLayoutVars>
           <dgm:bulletEnabled val="1"/>
         </dgm:presLayoutVars>
@@ -1884,11 +1925,11 @@
       <dgm:spPr/>
     </dgm:pt>
     <dgm:pt modelId="{95CF46DD-D6D7-4A02-8798-2C92051489ED}" type="pres">
-      <dgm:prSet presAssocID="{BEAF6792-B7BF-4046-A7E1-8E350035B481}" presName="sibTrans" presStyleLbl="sibTrans1D1" presStyleIdx="2" presStyleCnt="4"/>
+      <dgm:prSet presAssocID="{BEAF6792-B7BF-4046-A7E1-8E350035B481}" presName="sibTrans" presStyleLbl="sibTrans1D1" presStyleIdx="2" presStyleCnt="5"/>
       <dgm:spPr/>
     </dgm:pt>
     <dgm:pt modelId="{FBD33DF5-7DFE-4D2F-9421-A05226EB6D47}" type="pres">
-      <dgm:prSet presAssocID="{403E0AB5-8143-48E4-83F7-ABE1AA576222}" presName="node" presStyleLbl="node1" presStyleIdx="3" presStyleCnt="4">
+      <dgm:prSet presAssocID="{403E0AB5-8143-48E4-83F7-ABE1AA576222}" presName="node" presStyleLbl="node1" presStyleIdx="3" presStyleCnt="5">
         <dgm:presLayoutVars>
           <dgm:bulletEnabled val="1"/>
         </dgm:presLayoutVars>
@@ -1900,7 +1941,23 @@
       <dgm:spPr/>
     </dgm:pt>
     <dgm:pt modelId="{416815C0-9AA2-4428-BAB9-7035B6957986}" type="pres">
-      <dgm:prSet presAssocID="{8D9798BF-9306-4FA6-9075-1630A9026DB9}" presName="sibTrans" presStyleLbl="sibTrans1D1" presStyleIdx="3" presStyleCnt="4"/>
+      <dgm:prSet presAssocID="{8D9798BF-9306-4FA6-9075-1630A9026DB9}" presName="sibTrans" presStyleLbl="sibTrans1D1" presStyleIdx="3" presStyleCnt="5"/>
+      <dgm:spPr/>
+    </dgm:pt>
+    <dgm:pt modelId="{2BACE43F-BD67-4FD6-B474-1705A28DBAEB}" type="pres">
+      <dgm:prSet presAssocID="{855409B7-BBB7-4A1B-AE1B-5933A460AFB8}" presName="node" presStyleLbl="node1" presStyleIdx="4" presStyleCnt="5">
+        <dgm:presLayoutVars>
+          <dgm:bulletEnabled val="1"/>
+        </dgm:presLayoutVars>
+      </dgm:prSet>
+      <dgm:spPr/>
+    </dgm:pt>
+    <dgm:pt modelId="{1A25F504-B9EF-43D4-AE72-1AF67A31E5E7}" type="pres">
+      <dgm:prSet presAssocID="{855409B7-BBB7-4A1B-AE1B-5933A460AFB8}" presName="spNode" presStyleCnt="0"/>
+      <dgm:spPr/>
+    </dgm:pt>
+    <dgm:pt modelId="{74133098-E6FC-42FA-8221-35E7903A1F63}" type="pres">
+      <dgm:prSet presAssocID="{5A13DC08-F7AC-4C26-8489-CAC901EDBD75}" presName="sibTrans" presStyleLbl="sibTrans1D1" presStyleIdx="4" presStyleCnt="5"/>
       <dgm:spPr/>
     </dgm:pt>
   </dgm:ptLst>
@@ -1910,12 +1967,15 @@
     <dgm:cxn modelId="{B07C561F-83C6-4C96-AFF4-3027CD12ACF4}" type="presOf" srcId="{8D9798BF-9306-4FA6-9075-1630A9026DB9}" destId="{416815C0-9AA2-4428-BAB9-7035B6957986}" srcOrd="0" destOrd="0" presId="urn:microsoft.com/office/officeart/2005/8/layout/cycle6"/>
     <dgm:cxn modelId="{4A5B4F23-7E54-4F07-8AA0-70C926AE82DD}" srcId="{2A6FF42B-0B39-45E1-8F5A-4558CE8096C5}" destId="{BF81C9A8-CF07-4A28-B636-017D4FA83B8F}" srcOrd="2" destOrd="0" parTransId="{B496738E-F5FB-4A86-8354-1E23159F4208}" sibTransId="{BEAF6792-B7BF-4046-A7E1-8E350035B481}"/>
     <dgm:cxn modelId="{9910342D-90B1-4348-BC2B-19285F9ED915}" type="presOf" srcId="{5326E698-E797-4E87-BA55-699F1EE59DFB}" destId="{EC550A31-9A93-4057-BF4F-D267D90256D2}" srcOrd="0" destOrd="0" presId="urn:microsoft.com/office/officeart/2005/8/layout/cycle6"/>
+    <dgm:cxn modelId="{59855D31-F5A9-45CD-8060-9E7BA1850CEC}" type="presOf" srcId="{5A13DC08-F7AC-4C26-8489-CAC901EDBD75}" destId="{74133098-E6FC-42FA-8221-35E7903A1F63}" srcOrd="0" destOrd="0" presId="urn:microsoft.com/office/officeart/2005/8/layout/cycle6"/>
     <dgm:cxn modelId="{9BECF75C-B2E1-488A-80A0-FF8B765102EF}" type="presOf" srcId="{403E0AB5-8143-48E4-83F7-ABE1AA576222}" destId="{FBD33DF5-7DFE-4D2F-9421-A05226EB6D47}" srcOrd="0" destOrd="0" presId="urn:microsoft.com/office/officeart/2005/8/layout/cycle6"/>
+    <dgm:cxn modelId="{8652B861-467B-45BF-95B7-3841EC219A5F}" srcId="{2A6FF42B-0B39-45E1-8F5A-4558CE8096C5}" destId="{855409B7-BBB7-4A1B-AE1B-5933A460AFB8}" srcOrd="4" destOrd="0" parTransId="{FD07587F-E87F-4C68-9A04-3A62858C2100}" sibTransId="{5A13DC08-F7AC-4C26-8489-CAC901EDBD75}"/>
     <dgm:cxn modelId="{7AB8A86B-CA33-4FD0-BD95-009F842D50EF}" srcId="{2A6FF42B-0B39-45E1-8F5A-4558CE8096C5}" destId="{403E0AB5-8143-48E4-83F7-ABE1AA576222}" srcOrd="3" destOrd="0" parTransId="{1328AEF1-3DA0-405F-927A-12ED6CD6E918}" sibTransId="{8D9798BF-9306-4FA6-9075-1630A9026DB9}"/>
     <dgm:cxn modelId="{65FB254C-AFB0-4052-9783-540DBE557E6A}" type="presOf" srcId="{9341DCFE-B742-435B-B4E6-AE2877F23A24}" destId="{0C48017A-9D6B-47AF-9403-5E45C94889C0}" srcOrd="0" destOrd="0" presId="urn:microsoft.com/office/officeart/2005/8/layout/cycle6"/>
     <dgm:cxn modelId="{52672371-18B6-4154-BC3E-CC315A288F12}" srcId="{2A6FF42B-0B39-45E1-8F5A-4558CE8096C5}" destId="{5326E698-E797-4E87-BA55-699F1EE59DFB}" srcOrd="1" destOrd="0" parTransId="{19A7C23C-5250-41C1-9D20-8EEA54D16FF2}" sibTransId="{C9A3AD8A-4CC4-4676-ACAF-7DB15693F2A9}"/>
     <dgm:cxn modelId="{B2E0C77C-16AB-41C6-80E3-FB0F726B6DB9}" type="presOf" srcId="{C9A3AD8A-4CC4-4676-ACAF-7DB15693F2A9}" destId="{DE131621-9C63-4EFE-AFD0-7EAA2DB6E31C}" srcOrd="0" destOrd="0" presId="urn:microsoft.com/office/officeart/2005/8/layout/cycle6"/>
     <dgm:cxn modelId="{AB2C8382-8D04-46FC-937B-AC45F1986A88}" type="presOf" srcId="{2A6FF42B-0B39-45E1-8F5A-4558CE8096C5}" destId="{48CF11CF-6F32-4B3C-AED7-3FE0509EC306}" srcOrd="0" destOrd="0" presId="urn:microsoft.com/office/officeart/2005/8/layout/cycle6"/>
+    <dgm:cxn modelId="{E299AB96-A8AB-43EF-9D00-B23F3EEAD01A}" type="presOf" srcId="{855409B7-BBB7-4A1B-AE1B-5933A460AFB8}" destId="{2BACE43F-BD67-4FD6-B474-1705A28DBAEB}" srcOrd="0" destOrd="0" presId="urn:microsoft.com/office/officeart/2005/8/layout/cycle6"/>
     <dgm:cxn modelId="{010B24AD-0859-469D-AC95-F2B854BA5C2E}" srcId="{2A6FF42B-0B39-45E1-8F5A-4558CE8096C5}" destId="{E8EFD7E3-1989-4CC5-B491-6399EDA33209}" srcOrd="0" destOrd="0" parTransId="{3134F493-AEA9-4E78-ABDC-2A286FDD1CDC}" sibTransId="{9341DCFE-B742-435B-B4E6-AE2877F23A24}"/>
     <dgm:cxn modelId="{FF97EABB-620B-414D-9C5E-14B736347B9A}" type="presOf" srcId="{E8EFD7E3-1989-4CC5-B491-6399EDA33209}" destId="{D28752A4-4110-4F39-AB58-AA07DCF96C81}" srcOrd="0" destOrd="0" presId="urn:microsoft.com/office/officeart/2005/8/layout/cycle6"/>
     <dgm:cxn modelId="{07D2CC03-B48A-41CC-885C-5A21D409FEEF}" type="presParOf" srcId="{48CF11CF-6F32-4B3C-AED7-3FE0509EC306}" destId="{D28752A4-4110-4F39-AB58-AA07DCF96C81}" srcOrd="0" destOrd="0" presId="urn:microsoft.com/office/officeart/2005/8/layout/cycle6"/>
@@ -1930,6 +1990,9 @@
     <dgm:cxn modelId="{B8751211-BFDC-4CEA-939E-46CD257B0A19}" type="presParOf" srcId="{48CF11CF-6F32-4B3C-AED7-3FE0509EC306}" destId="{FBD33DF5-7DFE-4D2F-9421-A05226EB6D47}" srcOrd="9" destOrd="0" presId="urn:microsoft.com/office/officeart/2005/8/layout/cycle6"/>
     <dgm:cxn modelId="{D1984BE1-D25B-422F-8AE0-F796D53D00D4}" type="presParOf" srcId="{48CF11CF-6F32-4B3C-AED7-3FE0509EC306}" destId="{BABCCB7C-A3FC-4A41-B531-B446F0D1E85A}" srcOrd="10" destOrd="0" presId="urn:microsoft.com/office/officeart/2005/8/layout/cycle6"/>
     <dgm:cxn modelId="{69B2E94E-C5B1-4A58-AB86-8C514A48C0D5}" type="presParOf" srcId="{48CF11CF-6F32-4B3C-AED7-3FE0509EC306}" destId="{416815C0-9AA2-4428-BAB9-7035B6957986}" srcOrd="11" destOrd="0" presId="urn:microsoft.com/office/officeart/2005/8/layout/cycle6"/>
+    <dgm:cxn modelId="{02D49DAB-ACB5-4956-993C-6BAC372921A0}" type="presParOf" srcId="{48CF11CF-6F32-4B3C-AED7-3FE0509EC306}" destId="{2BACE43F-BD67-4FD6-B474-1705A28DBAEB}" srcOrd="12" destOrd="0" presId="urn:microsoft.com/office/officeart/2005/8/layout/cycle6"/>
+    <dgm:cxn modelId="{60C8BADE-FBD7-4C62-A327-44C792473D4B}" type="presParOf" srcId="{48CF11CF-6F32-4B3C-AED7-3FE0509EC306}" destId="{1A25F504-B9EF-43D4-AE72-1AF67A31E5E7}" srcOrd="13" destOrd="0" presId="urn:microsoft.com/office/officeart/2005/8/layout/cycle6"/>
+    <dgm:cxn modelId="{8FCDF1D1-B93A-43F4-8981-40AA747EE4A3}" type="presParOf" srcId="{48CF11CF-6F32-4B3C-AED7-3FE0509EC306}" destId="{74133098-E6FC-42FA-8221-35E7903A1F63}" srcOrd="14" destOrd="0" presId="urn:microsoft.com/office/officeart/2005/8/layout/cycle6"/>
   </dgm:cxnLst>
   <dgm:bg/>
   <dgm:whole/>
@@ -2074,7 +2137,7 @@
         </a:p>
       </dgm:t>
     </dgm:pt>
-    <dgm:pt modelId="{F2F94B97-2F77-422F-AABF-0EBB11F432F2}">
+    <dgm:pt modelId="{63B3EBB9-A894-4484-82C6-30B92B6F675A}">
       <dgm:prSet phldrT="[Text]"/>
       <dgm:spPr/>
       <dgm:t>
@@ -2082,46 +2145,17 @@
         <a:lstStyle/>
         <a:p>
           <a:r>
+            <a:rPr lang="en-US" dirty="0" err="1"/>
+            <a:t>Kreation</a:t>
+          </a:r>
+          <a:r>
             <a:rPr lang="en-US" dirty="0"/>
-            <a:t>Teil der </a:t>
+            <a:t> des </a:t>
           </a:r>
           <a:r>
             <a:rPr lang="en-US" dirty="0" err="1"/>
-            <a:t>Pushkaram</a:t>
+            <a:t>Universums</a:t>
           </a:r>
-          <a:endParaRPr lang="en-DE" dirty="0"/>
-        </a:p>
-      </dgm:t>
-    </dgm:pt>
-    <dgm:pt modelId="{6654D868-7537-499E-896C-6606A2474737}" type="parTrans" cxnId="{C79872C0-CC8C-4AB6-BC37-8C416A8A33AB}">
-      <dgm:prSet/>
-      <dgm:spPr/>
-      <dgm:t>
-        <a:bodyPr/>
-        <a:lstStyle/>
-        <a:p>
-          <a:endParaRPr lang="en-DE"/>
-        </a:p>
-      </dgm:t>
-    </dgm:pt>
-    <dgm:pt modelId="{F8116C2A-39B0-40FA-B901-847E4D11D463}" type="sibTrans" cxnId="{C79872C0-CC8C-4AB6-BC37-8C416A8A33AB}">
-      <dgm:prSet/>
-      <dgm:spPr/>
-      <dgm:t>
-        <a:bodyPr/>
-        <a:lstStyle/>
-        <a:p>
-          <a:endParaRPr lang="en-DE"/>
-        </a:p>
-      </dgm:t>
-    </dgm:pt>
-    <dgm:pt modelId="{63B3EBB9-A894-4484-82C6-30B92B6F675A}">
-      <dgm:prSet phldrT="[Text]" phldr="1"/>
-      <dgm:spPr/>
-      <dgm:t>
-        <a:bodyPr/>
-        <a:lstStyle/>
-        <a:p>
           <a:endParaRPr lang="en-DE" dirty="0"/>
         </a:p>
       </dgm:t>
@@ -2158,7 +2192,7 @@
       <dgm:spPr/>
     </dgm:pt>
     <dgm:pt modelId="{F8A57FAE-D7D2-4A36-A69B-E36A7335F39C}" type="pres">
-      <dgm:prSet presAssocID="{CE80B354-70D3-4B97-AB43-30173CB9BAEA}" presName="node" presStyleLbl="node1" presStyleIdx="0" presStyleCnt="5">
+      <dgm:prSet presAssocID="{CE80B354-70D3-4B97-AB43-30173CB9BAEA}" presName="node" presStyleLbl="node1" presStyleIdx="0" presStyleCnt="4">
         <dgm:presLayoutVars>
           <dgm:bulletEnabled val="1"/>
         </dgm:presLayoutVars>
@@ -2170,7 +2204,7 @@
       <dgm:spPr/>
     </dgm:pt>
     <dgm:pt modelId="{5CD47AC9-ABB4-4B0C-86C6-278D2AB19881}" type="pres">
-      <dgm:prSet presAssocID="{4E8DE0A2-2A59-4FF3-B1BD-F287AA672862}" presName="node" presStyleLbl="node1" presStyleIdx="1" presStyleCnt="5">
+      <dgm:prSet presAssocID="{4E8DE0A2-2A59-4FF3-B1BD-F287AA672862}" presName="node" presStyleLbl="node1" presStyleIdx="1" presStyleCnt="4">
         <dgm:presLayoutVars>
           <dgm:bulletEnabled val="1"/>
         </dgm:presLayoutVars>
@@ -2182,7 +2216,7 @@
       <dgm:spPr/>
     </dgm:pt>
     <dgm:pt modelId="{AD024C7C-1026-48D1-920E-8501E924294F}" type="pres">
-      <dgm:prSet presAssocID="{620F505A-6D7E-41C2-8DE6-AA07601711D1}" presName="node" presStyleLbl="node1" presStyleIdx="2" presStyleCnt="5">
+      <dgm:prSet presAssocID="{620F505A-6D7E-41C2-8DE6-AA07601711D1}" presName="node" presStyleLbl="node1" presStyleIdx="2" presStyleCnt="4">
         <dgm:presLayoutVars>
           <dgm:bulletEnabled val="1"/>
         </dgm:presLayoutVars>
@@ -2193,20 +2227,8 @@
       <dgm:prSet presAssocID="{35B31A61-47A6-4BF2-B3D5-971BBD526F44}" presName="sibTrans" presStyleCnt="0"/>
       <dgm:spPr/>
     </dgm:pt>
-    <dgm:pt modelId="{D4572081-9816-44FA-BDB8-EF341FADF694}" type="pres">
-      <dgm:prSet presAssocID="{F2F94B97-2F77-422F-AABF-0EBB11F432F2}" presName="node" presStyleLbl="node1" presStyleIdx="3" presStyleCnt="5">
-        <dgm:presLayoutVars>
-          <dgm:bulletEnabled val="1"/>
-        </dgm:presLayoutVars>
-      </dgm:prSet>
-      <dgm:spPr/>
-    </dgm:pt>
-    <dgm:pt modelId="{0E53740D-55BD-475F-BE8A-809C53AB2F0C}" type="pres">
-      <dgm:prSet presAssocID="{F8116C2A-39B0-40FA-B901-847E4D11D463}" presName="sibTrans" presStyleCnt="0"/>
-      <dgm:spPr/>
-    </dgm:pt>
     <dgm:pt modelId="{4EE7A912-9F75-4925-8952-18B728D9E89E}" type="pres">
-      <dgm:prSet presAssocID="{63B3EBB9-A894-4484-82C6-30B92B6F675A}" presName="node" presStyleLbl="node1" presStyleIdx="4" presStyleCnt="5">
+      <dgm:prSet presAssocID="{63B3EBB9-A894-4484-82C6-30B92B6F675A}" presName="node" presStyleLbl="node1" presStyleIdx="3" presStyleCnt="4">
         <dgm:presLayoutVars>
           <dgm:bulletEnabled val="1"/>
         </dgm:presLayoutVars>
@@ -2219,22 +2241,18 @@
     <dgm:cxn modelId="{8A61D336-D7B0-4C40-85A0-FF6E4765D522}" type="presOf" srcId="{620F505A-6D7E-41C2-8DE6-AA07601711D1}" destId="{AD024C7C-1026-48D1-920E-8501E924294F}" srcOrd="0" destOrd="0" presId="urn:microsoft.com/office/officeart/2005/8/layout/default"/>
     <dgm:cxn modelId="{16E5435B-19E2-4226-8DA9-F0B38A20F169}" srcId="{B939108B-AF05-44D9-BC46-13C931EBBAB4}" destId="{CE80B354-70D3-4B97-AB43-30173CB9BAEA}" srcOrd="0" destOrd="0" parTransId="{F708FF9C-74B8-477C-AD06-459B92D46772}" sibTransId="{FD9928C0-F775-4CFB-93B8-8ACE93AD0B63}"/>
     <dgm:cxn modelId="{EE4B7069-3DEE-4B16-92B9-ED7FBC9C18AD}" type="presOf" srcId="{B939108B-AF05-44D9-BC46-13C931EBBAB4}" destId="{288715AA-39DA-49DA-9365-0991390B301D}" srcOrd="0" destOrd="0" presId="urn:microsoft.com/office/officeart/2005/8/layout/default"/>
-    <dgm:cxn modelId="{3A8AB456-DD8F-4C23-B00D-B10D8915863E}" type="presOf" srcId="{F2F94B97-2F77-422F-AABF-0EBB11F432F2}" destId="{D4572081-9816-44FA-BDB8-EF341FADF694}" srcOrd="0" destOrd="0" presId="urn:microsoft.com/office/officeart/2005/8/layout/default"/>
     <dgm:cxn modelId="{39B0CA95-58FD-47C7-8E26-BC5EA163EC45}" srcId="{B939108B-AF05-44D9-BC46-13C931EBBAB4}" destId="{620F505A-6D7E-41C2-8DE6-AA07601711D1}" srcOrd="2" destOrd="0" parTransId="{EF1176EB-7C7D-4FD5-AE0D-B02821D86289}" sibTransId="{35B31A61-47A6-4BF2-B3D5-971BBD526F44}"/>
     <dgm:cxn modelId="{D2D1E1A5-565B-47FD-8866-010BF5C67DC5}" type="presOf" srcId="{4E8DE0A2-2A59-4FF3-B1BD-F287AA672862}" destId="{5CD47AC9-ABB4-4B0C-86C6-278D2AB19881}" srcOrd="0" destOrd="0" presId="urn:microsoft.com/office/officeart/2005/8/layout/default"/>
     <dgm:cxn modelId="{9595DBAE-1EA3-47FE-8BB6-83B2943E5034}" type="presOf" srcId="{CE80B354-70D3-4B97-AB43-30173CB9BAEA}" destId="{F8A57FAE-D7D2-4A36-A69B-E36A7335F39C}" srcOrd="0" destOrd="0" presId="urn:microsoft.com/office/officeart/2005/8/layout/default"/>
-    <dgm:cxn modelId="{C79872C0-CC8C-4AB6-BC37-8C416A8A33AB}" srcId="{B939108B-AF05-44D9-BC46-13C931EBBAB4}" destId="{F2F94B97-2F77-422F-AABF-0EBB11F432F2}" srcOrd="3" destOrd="0" parTransId="{6654D868-7537-499E-896C-6606A2474737}" sibTransId="{F8116C2A-39B0-40FA-B901-847E4D11D463}"/>
     <dgm:cxn modelId="{9AB6D1EA-2367-4A7F-9B98-FB99BC7DB1F0}" srcId="{B939108B-AF05-44D9-BC46-13C931EBBAB4}" destId="{4E8DE0A2-2A59-4FF3-B1BD-F287AA672862}" srcOrd="1" destOrd="0" parTransId="{12F0FF7C-5BE7-4B2D-8B0B-35B9A2FACDFE}" sibTransId="{00840EFF-5DC4-470E-9860-6906123DBEC6}"/>
-    <dgm:cxn modelId="{FB3BA4F4-8838-4771-8281-E345A91D5A8C}" srcId="{B939108B-AF05-44D9-BC46-13C931EBBAB4}" destId="{63B3EBB9-A894-4484-82C6-30B92B6F675A}" srcOrd="4" destOrd="0" parTransId="{203F2BDD-3FB4-4FBB-9B90-7877252D6D4E}" sibTransId="{D66E25B5-534D-4C88-A203-218D8901411E}"/>
+    <dgm:cxn modelId="{FB3BA4F4-8838-4771-8281-E345A91D5A8C}" srcId="{B939108B-AF05-44D9-BC46-13C931EBBAB4}" destId="{63B3EBB9-A894-4484-82C6-30B92B6F675A}" srcOrd="3" destOrd="0" parTransId="{203F2BDD-3FB4-4FBB-9B90-7877252D6D4E}" sibTransId="{D66E25B5-534D-4C88-A203-218D8901411E}"/>
     <dgm:cxn modelId="{1BA0FC70-15B9-45C9-AA56-9EB27414294F}" type="presParOf" srcId="{288715AA-39DA-49DA-9365-0991390B301D}" destId="{F8A57FAE-D7D2-4A36-A69B-E36A7335F39C}" srcOrd="0" destOrd="0" presId="urn:microsoft.com/office/officeart/2005/8/layout/default"/>
     <dgm:cxn modelId="{86363BFD-D890-486A-927A-1650941E6EE9}" type="presParOf" srcId="{288715AA-39DA-49DA-9365-0991390B301D}" destId="{4AD0A240-F432-4CD7-859C-69034DBAB8DB}" srcOrd="1" destOrd="0" presId="urn:microsoft.com/office/officeart/2005/8/layout/default"/>
     <dgm:cxn modelId="{04C62E96-98BF-420A-A789-218C6EE9D79F}" type="presParOf" srcId="{288715AA-39DA-49DA-9365-0991390B301D}" destId="{5CD47AC9-ABB4-4B0C-86C6-278D2AB19881}" srcOrd="2" destOrd="0" presId="urn:microsoft.com/office/officeart/2005/8/layout/default"/>
     <dgm:cxn modelId="{0214871B-8AF3-41DA-9600-A5187D93CBA1}" type="presParOf" srcId="{288715AA-39DA-49DA-9365-0991390B301D}" destId="{A4A4EF22-9038-4EE2-BCE6-45ADB74994B1}" srcOrd="3" destOrd="0" presId="urn:microsoft.com/office/officeart/2005/8/layout/default"/>
     <dgm:cxn modelId="{23A40ACA-1987-4527-B7A0-E219F2C854BA}" type="presParOf" srcId="{288715AA-39DA-49DA-9365-0991390B301D}" destId="{AD024C7C-1026-48D1-920E-8501E924294F}" srcOrd="4" destOrd="0" presId="urn:microsoft.com/office/officeart/2005/8/layout/default"/>
     <dgm:cxn modelId="{2F710091-710A-400D-A6CB-7A7812702281}" type="presParOf" srcId="{288715AA-39DA-49DA-9365-0991390B301D}" destId="{477D73F0-6B32-4BD1-8E2A-B7F1C534CA99}" srcOrd="5" destOrd="0" presId="urn:microsoft.com/office/officeart/2005/8/layout/default"/>
-    <dgm:cxn modelId="{6292C172-EE4C-41AE-AD52-0BE41C0900C7}" type="presParOf" srcId="{288715AA-39DA-49DA-9365-0991390B301D}" destId="{D4572081-9816-44FA-BDB8-EF341FADF694}" srcOrd="6" destOrd="0" presId="urn:microsoft.com/office/officeart/2005/8/layout/default"/>
-    <dgm:cxn modelId="{E6004ABE-62FE-4C7D-8B01-D7CD18574AF5}" type="presParOf" srcId="{288715AA-39DA-49DA-9365-0991390B301D}" destId="{0E53740D-55BD-475F-BE8A-809C53AB2F0C}" srcOrd="7" destOrd="0" presId="urn:microsoft.com/office/officeart/2005/8/layout/default"/>
-    <dgm:cxn modelId="{4F4CA973-FAA3-4498-9849-DA800050436D}" type="presParOf" srcId="{288715AA-39DA-49DA-9365-0991390B301D}" destId="{4EE7A912-9F75-4925-8952-18B728D9E89E}" srcOrd="8" destOrd="0" presId="urn:microsoft.com/office/officeart/2005/8/layout/default"/>
+    <dgm:cxn modelId="{4F4CA973-FAA3-4498-9849-DA800050436D}" type="presParOf" srcId="{288715AA-39DA-49DA-9365-0991390B301D}" destId="{4EE7A912-9F75-4925-8952-18B728D9E89E}" srcOrd="6" destOrd="0" presId="urn:microsoft.com/office/officeart/2005/8/layout/default"/>
   </dgm:cxnLst>
   <dgm:bg/>
   <dgm:whole/>
@@ -2261,8 +2279,8 @@
       </dsp:nvSpPr>
       <dsp:spPr>
         <a:xfrm>
-          <a:off x="3596458" y="1193"/>
-          <a:ext cx="1541796" cy="1002167"/>
+          <a:off x="3658301" y="1336"/>
+          <a:ext cx="1418111" cy="921772"/>
         </a:xfrm>
         <a:prstGeom prst="roundRect">
           <a:avLst/>
@@ -2304,12 +2322,12 @@
         </a:fontRef>
       </dsp:style>
       <dsp:txBody>
-        <a:bodyPr spcFirstLastPara="0" vert="horz" wrap="square" lIns="68580" tIns="68580" rIns="68580" bIns="68580" numCol="1" spcCol="1270" anchor="ctr" anchorCtr="0">
+        <a:bodyPr spcFirstLastPara="0" vert="horz" wrap="square" lIns="60960" tIns="60960" rIns="60960" bIns="60960" numCol="1" spcCol="1270" anchor="ctr" anchorCtr="0">
           <a:noAutofit/>
         </a:bodyPr>
         <a:lstStyle/>
         <a:p>
-          <a:pPr marL="0" lvl="0" indent="0" algn="ctr" defTabSz="800100">
+          <a:pPr marL="0" lvl="0" indent="0" algn="ctr" defTabSz="711200">
             <a:lnSpc>
               <a:spcPct val="90000"/>
             </a:lnSpc>
@@ -2322,15 +2340,15 @@
             <a:buNone/>
           </a:pPr>
           <a:r>
-            <a:rPr lang="en-US" sz="1800" kern="1200" dirty="0" err="1"/>
+            <a:rPr lang="en-US" sz="1600" kern="1200" dirty="0" err="1"/>
             <a:t>jährlich</a:t>
           </a:r>
-          <a:endParaRPr lang="en-DE" sz="1800" kern="1200" dirty="0"/>
+          <a:endParaRPr lang="en-DE" sz="1600" kern="1200" dirty="0"/>
         </a:p>
       </dsp:txBody>
       <dsp:txXfrm>
-        <a:off x="3645380" y="50115"/>
-        <a:ext cx="1443952" cy="904323"/>
+        <a:off x="3703298" y="46333"/>
+        <a:ext cx="1328117" cy="831778"/>
       </dsp:txXfrm>
     </dsp:sp>
     <dsp:sp modelId="{0C48017A-9D6B-47AF-9403-5E45C94889C0}">
@@ -2340,8 +2358,8 @@
       </dsp:nvSpPr>
       <dsp:spPr>
         <a:xfrm>
-          <a:off x="2711904" y="502277"/>
-          <a:ext cx="3310904" cy="3310904"/>
+          <a:off x="2526493" y="462223"/>
+          <a:ext cx="3681726" cy="3681726"/>
         </a:xfrm>
         <a:custGeom>
           <a:avLst/>
@@ -2352,9 +2370,9 @@
           <a:pathLst>
             <a:path>
               <a:moveTo>
-                <a:pt x="2437452" y="196343"/>
+                <a:pt x="2559651" y="146129"/>
               </a:moveTo>
-              <a:arcTo wR="1655452" hR="1655452" stAng="17891329" swAng="2625423"/>
+              <a:arcTo wR="1840863" hR="1840863" stAng="17578997" swAng="1960503"/>
             </a:path>
           </a:pathLst>
         </a:custGeom>
@@ -2393,8 +2411,8 @@
       </dsp:nvSpPr>
       <dsp:spPr>
         <a:xfrm>
-          <a:off x="5251910" y="1656646"/>
-          <a:ext cx="1541796" cy="1002167"/>
+          <a:off x="5409066" y="1273342"/>
+          <a:ext cx="1418111" cy="921772"/>
         </a:xfrm>
         <a:prstGeom prst="roundRect">
           <a:avLst/>
@@ -2436,12 +2454,12 @@
         </a:fontRef>
       </dsp:style>
       <dsp:txBody>
-        <a:bodyPr spcFirstLastPara="0" vert="horz" wrap="square" lIns="68580" tIns="68580" rIns="68580" bIns="68580" numCol="1" spcCol="1270" anchor="ctr" anchorCtr="0">
+        <a:bodyPr spcFirstLastPara="0" vert="horz" wrap="square" lIns="60960" tIns="60960" rIns="60960" bIns="60960" numCol="1" spcCol="1270" anchor="ctr" anchorCtr="0">
           <a:noAutofit/>
         </a:bodyPr>
         <a:lstStyle/>
         <a:p>
-          <a:pPr marL="0" lvl="0" indent="0" algn="ctr" defTabSz="800100">
+          <a:pPr marL="0" lvl="0" indent="0" algn="ctr" defTabSz="711200">
             <a:lnSpc>
               <a:spcPct val="90000"/>
             </a:lnSpc>
@@ -2454,23 +2472,23 @@
             <a:buNone/>
           </a:pPr>
           <a:r>
-            <a:rPr lang="en-US" sz="1800" kern="1200" dirty="0" err="1"/>
+            <a:rPr lang="en-US" sz="1600" kern="1200" dirty="0" err="1"/>
             <a:t>Januar</a:t>
           </a:r>
           <a:r>
-            <a:rPr lang="en-US" sz="1800" kern="1200" dirty="0"/>
+            <a:rPr lang="en-US" sz="1600" kern="1200" dirty="0"/>
             <a:t>/</a:t>
           </a:r>
           <a:r>
-            <a:rPr lang="en-US" sz="1800" kern="1200" dirty="0" err="1"/>
+            <a:rPr lang="en-US" sz="1600" kern="1200" dirty="0" err="1"/>
             <a:t>Februar</a:t>
           </a:r>
-          <a:endParaRPr lang="en-DE" sz="1800" kern="1200" dirty="0"/>
+          <a:endParaRPr lang="en-DE" sz="1600" kern="1200" dirty="0"/>
         </a:p>
       </dsp:txBody>
       <dsp:txXfrm>
-        <a:off x="5300832" y="1705568"/>
-        <a:ext cx="1443952" cy="904323"/>
+        <a:off x="5454063" y="1318339"/>
+        <a:ext cx="1328117" cy="831778"/>
       </dsp:txXfrm>
     </dsp:sp>
     <dsp:sp modelId="{DE131621-9C63-4EFE-AFD0-7EAA2DB6E31C}">
@@ -2480,8 +2498,8 @@
       </dsp:nvSpPr>
       <dsp:spPr>
         <a:xfrm>
-          <a:off x="2711904" y="502277"/>
-          <a:ext cx="3310904" cy="3310904"/>
+          <a:off x="2526493" y="462223"/>
+          <a:ext cx="3681726" cy="3681726"/>
         </a:xfrm>
         <a:custGeom>
           <a:avLst/>
@@ -2492,9 +2510,9 @@
           <a:pathLst>
             <a:path>
               <a:moveTo>
-                <a:pt x="3229396" y="2168502"/>
+                <a:pt x="3679210" y="1744654"/>
               </a:moveTo>
-              <a:arcTo wR="1655452" hR="1655452" stAng="1083248" swAng="2625423"/>
+              <a:arcTo wR="1840863" hR="1840863" stAng="21420252" swAng="2195508"/>
             </a:path>
           </a:pathLst>
         </a:custGeom>
@@ -2533,8 +2551,8 @@
       </dsp:nvSpPr>
       <dsp:spPr>
         <a:xfrm>
-          <a:off x="3596458" y="3312098"/>
-          <a:ext cx="1541796" cy="1002167"/>
+          <a:off x="4740333" y="3331489"/>
+          <a:ext cx="1418111" cy="921772"/>
         </a:xfrm>
         <a:prstGeom prst="roundRect">
           <a:avLst/>
@@ -2576,12 +2594,12 @@
         </a:fontRef>
       </dsp:style>
       <dsp:txBody>
-        <a:bodyPr spcFirstLastPara="0" vert="horz" wrap="square" lIns="68580" tIns="68580" rIns="68580" bIns="68580" numCol="1" spcCol="1270" anchor="ctr" anchorCtr="0">
+        <a:bodyPr spcFirstLastPara="0" vert="horz" wrap="square" lIns="60960" tIns="60960" rIns="60960" bIns="60960" numCol="1" spcCol="1270" anchor="ctr" anchorCtr="0">
           <a:noAutofit/>
         </a:bodyPr>
         <a:lstStyle/>
         <a:p>
-          <a:pPr marL="0" lvl="0" indent="0" algn="ctr" defTabSz="800100">
+          <a:pPr marL="0" lvl="0" indent="0" algn="ctr" defTabSz="711200">
             <a:lnSpc>
               <a:spcPct val="90000"/>
             </a:lnSpc>
@@ -2594,15 +2612,15 @@
             <a:buNone/>
           </a:pPr>
           <a:r>
-            <a:rPr lang="en-US" sz="1800" kern="1200" dirty="0" err="1"/>
+            <a:rPr lang="en-US" sz="1600" kern="1200" dirty="0" err="1"/>
             <a:t>Hinduismus</a:t>
           </a:r>
-          <a:endParaRPr lang="en-DE" sz="1800" kern="1200" dirty="0"/>
+          <a:endParaRPr lang="en-DE" sz="1600" kern="1200" dirty="0"/>
         </a:p>
       </dsp:txBody>
       <dsp:txXfrm>
-        <a:off x="3645380" y="3361020"/>
-        <a:ext cx="1443952" cy="904323"/>
+        <a:off x="4785330" y="3376486"/>
+        <a:ext cx="1328117" cy="831778"/>
       </dsp:txXfrm>
     </dsp:sp>
     <dsp:sp modelId="{95CF46DD-D6D7-4A02-8798-2C92051489ED}">
@@ -2612,8 +2630,8 @@
       </dsp:nvSpPr>
       <dsp:spPr>
         <a:xfrm>
-          <a:off x="2711904" y="502277"/>
-          <a:ext cx="3310904" cy="3310904"/>
+          <a:off x="2526493" y="462223"/>
+          <a:ext cx="3681726" cy="3681726"/>
         </a:xfrm>
         <a:custGeom>
           <a:avLst/>
@@ -2624,9 +2642,9 @@
           <a:pathLst>
             <a:path>
               <a:moveTo>
-                <a:pt x="873451" y="3114560"/>
+                <a:pt x="2206531" y="3645042"/>
               </a:moveTo>
-              <a:arcTo wR="1655452" hR="1655452" stAng="7091329" swAng="2625423"/>
+              <a:arcTo wR="1840863" hR="1840863" stAng="4712554" swAng="1374891"/>
             </a:path>
           </a:pathLst>
         </a:custGeom>
@@ -2665,8 +2683,8 @@
       </dsp:nvSpPr>
       <dsp:spPr>
         <a:xfrm>
-          <a:off x="1941006" y="1656646"/>
-          <a:ext cx="1541796" cy="1002167"/>
+          <a:off x="2576268" y="3331489"/>
+          <a:ext cx="1418111" cy="921772"/>
         </a:xfrm>
         <a:prstGeom prst="roundRect">
           <a:avLst/>
@@ -2708,12 +2726,12 @@
         </a:fontRef>
       </dsp:style>
       <dsp:txBody>
-        <a:bodyPr spcFirstLastPara="0" vert="horz" wrap="square" lIns="68580" tIns="68580" rIns="68580" bIns="68580" numCol="1" spcCol="1270" anchor="ctr" anchorCtr="0">
+        <a:bodyPr spcFirstLastPara="0" vert="horz" wrap="square" lIns="60960" tIns="60960" rIns="60960" bIns="60960" numCol="1" spcCol="1270" anchor="ctr" anchorCtr="0">
           <a:noAutofit/>
         </a:bodyPr>
         <a:lstStyle/>
         <a:p>
-          <a:pPr marL="0" lvl="0" indent="0" algn="ctr" defTabSz="800100">
+          <a:pPr marL="0" lvl="0" indent="0" algn="ctr" defTabSz="711200">
             <a:lnSpc>
               <a:spcPct val="90000"/>
             </a:lnSpc>
@@ -2726,19 +2744,19 @@
             <a:buNone/>
           </a:pPr>
           <a:r>
-            <a:rPr lang="en-US" sz="1800" kern="1200" dirty="0" err="1"/>
+            <a:rPr lang="en-US" sz="1600" kern="1200" dirty="0" err="1"/>
             <a:t>Mehrere</a:t>
           </a:r>
           <a:r>
-            <a:rPr lang="en-US" sz="1800" kern="1200" dirty="0"/>
+            <a:rPr lang="en-US" sz="1600" kern="1200" dirty="0"/>
             <a:t> Events</a:t>
           </a:r>
-          <a:endParaRPr lang="en-DE" sz="1800" kern="1200" dirty="0"/>
+          <a:endParaRPr lang="en-DE" sz="1600" kern="1200" dirty="0"/>
         </a:p>
       </dsp:txBody>
       <dsp:txXfrm>
-        <a:off x="1989928" y="1705568"/>
-        <a:ext cx="1443952" cy="904323"/>
+        <a:off x="2621265" y="3376486"/>
+        <a:ext cx="1328117" cy="831778"/>
       </dsp:txXfrm>
     </dsp:sp>
     <dsp:sp modelId="{416815C0-9AA2-4428-BAB9-7035B6957986}">
@@ -2748,8 +2766,8 @@
       </dsp:nvSpPr>
       <dsp:spPr>
         <a:xfrm>
-          <a:off x="2711904" y="502277"/>
-          <a:ext cx="3310904" cy="3310904"/>
+          <a:off x="2526493" y="462223"/>
+          <a:ext cx="3681726" cy="3681726"/>
         </a:xfrm>
         <a:custGeom>
           <a:avLst/>
@@ -2760,9 +2778,145 @@
           <a:pathLst>
             <a:path>
               <a:moveTo>
-                <a:pt x="81507" y="1142401"/>
+                <a:pt x="307497" y="2859474"/>
               </a:moveTo>
-              <a:arcTo wR="1655452" hR="1655452" stAng="11883248" swAng="2625423"/>
+              <a:arcTo wR="1840863" hR="1840863" stAng="8784240" swAng="2195508"/>
+            </a:path>
+          </a:pathLst>
+        </a:custGeom>
+        <a:noFill/>
+        <a:ln w="6350" cap="flat" cmpd="sng" algn="ctr">
+          <a:solidFill>
+            <a:schemeClr val="accent4">
+              <a:hueOff val="0"/>
+              <a:satOff val="0"/>
+              <a:lumOff val="0"/>
+              <a:alphaOff val="0"/>
+            </a:schemeClr>
+          </a:solidFill>
+          <a:prstDash val="solid"/>
+          <a:miter lim="800000"/>
+        </a:ln>
+        <a:effectLst/>
+      </dsp:spPr>
+      <dsp:style>
+        <a:lnRef idx="1">
+          <a:scrgbClr r="0" g="0" b="0"/>
+        </a:lnRef>
+        <a:fillRef idx="0">
+          <a:scrgbClr r="0" g="0" b="0"/>
+        </a:fillRef>
+        <a:effectRef idx="0">
+          <a:scrgbClr r="0" g="0" b="0"/>
+        </a:effectRef>
+        <a:fontRef idx="minor"/>
+      </dsp:style>
+    </dsp:sp>
+    <dsp:sp modelId="{2BACE43F-BD67-4FD6-B474-1705A28DBAEB}">
+      <dsp:nvSpPr>
+        <dsp:cNvPr id="0" name=""/>
+        <dsp:cNvSpPr/>
+      </dsp:nvSpPr>
+      <dsp:spPr>
+        <a:xfrm>
+          <a:off x="1907536" y="1273342"/>
+          <a:ext cx="1418111" cy="921772"/>
+        </a:xfrm>
+        <a:prstGeom prst="roundRect">
+          <a:avLst/>
+        </a:prstGeom>
+        <a:solidFill>
+          <a:schemeClr val="accent4">
+            <a:hueOff val="0"/>
+            <a:satOff val="0"/>
+            <a:lumOff val="0"/>
+            <a:alphaOff val="0"/>
+          </a:schemeClr>
+        </a:solidFill>
+        <a:ln w="12700" cap="flat" cmpd="sng" algn="ctr">
+          <a:solidFill>
+            <a:schemeClr val="lt1">
+              <a:hueOff val="0"/>
+              <a:satOff val="0"/>
+              <a:lumOff val="0"/>
+              <a:alphaOff val="0"/>
+            </a:schemeClr>
+          </a:solidFill>
+          <a:prstDash val="solid"/>
+          <a:miter lim="800000"/>
+        </a:ln>
+        <a:effectLst/>
+      </dsp:spPr>
+      <dsp:style>
+        <a:lnRef idx="2">
+          <a:scrgbClr r="0" g="0" b="0"/>
+        </a:lnRef>
+        <a:fillRef idx="1">
+          <a:scrgbClr r="0" g="0" b="0"/>
+        </a:fillRef>
+        <a:effectRef idx="0">
+          <a:scrgbClr r="0" g="0" b="0"/>
+        </a:effectRef>
+        <a:fontRef idx="minor">
+          <a:schemeClr val="lt1"/>
+        </a:fontRef>
+      </dsp:style>
+      <dsp:txBody>
+        <a:bodyPr spcFirstLastPara="0" vert="horz" wrap="square" lIns="60960" tIns="60960" rIns="60960" bIns="60960" numCol="1" spcCol="1270" anchor="ctr" anchorCtr="0">
+          <a:noAutofit/>
+        </a:bodyPr>
+        <a:lstStyle/>
+        <a:p>
+          <a:pPr marL="0" lvl="0" indent="0" algn="ctr" defTabSz="711200">
+            <a:lnSpc>
+              <a:spcPct val="90000"/>
+            </a:lnSpc>
+            <a:spcBef>
+              <a:spcPct val="0"/>
+            </a:spcBef>
+            <a:spcAft>
+              <a:spcPct val="35000"/>
+            </a:spcAft>
+            <a:buNone/>
+          </a:pPr>
+          <a:r>
+            <a:rPr lang="en-US" sz="1600" kern="1200" dirty="0"/>
+            <a:t>Teil der </a:t>
+          </a:r>
+          <a:r>
+            <a:rPr lang="en-US" sz="1600" kern="1200" dirty="0" err="1"/>
+            <a:t>Pushkaram</a:t>
+          </a:r>
+          <a:endParaRPr lang="en-DE" sz="1600" kern="1200" dirty="0"/>
+        </a:p>
+      </dsp:txBody>
+      <dsp:txXfrm>
+        <a:off x="1952533" y="1318339"/>
+        <a:ext cx="1328117" cy="831778"/>
+      </dsp:txXfrm>
+    </dsp:sp>
+    <dsp:sp modelId="{74133098-E6FC-42FA-8221-35E7903A1F63}">
+      <dsp:nvSpPr>
+        <dsp:cNvPr id="0" name=""/>
+        <dsp:cNvSpPr/>
+      </dsp:nvSpPr>
+      <dsp:spPr>
+        <a:xfrm>
+          <a:off x="2526493" y="462223"/>
+          <a:ext cx="3681726" cy="3681726"/>
+        </a:xfrm>
+        <a:custGeom>
+          <a:avLst/>
+          <a:gdLst/>
+          <a:ahLst/>
+          <a:cxnLst/>
+          <a:rect l="0" t="0" r="0" b="0"/>
+          <a:pathLst>
+            <a:path>
+              <a:moveTo>
+                <a:pt x="320883" y="802383"/>
+              </a:moveTo>
+              <a:arcTo wR="1840863" hR="1840863" stAng="12860499" swAng="1960503"/>
             </a:path>
           </a:pathLst>
         </a:custGeom>
@@ -2813,8 +2967,8 @@
       </dsp:nvSpPr>
       <dsp:spPr>
         <a:xfrm>
-          <a:off x="0" y="36462"/>
-          <a:ext cx="2925960" cy="1755576"/>
+          <a:off x="1551673" y="802"/>
+          <a:ext cx="2980822" cy="1788493"/>
         </a:xfrm>
         <a:prstGeom prst="rect">
           <a:avLst/>
@@ -2889,8 +3043,8 @@
         </a:p>
       </dsp:txBody>
       <dsp:txXfrm>
-        <a:off x="0" y="36462"/>
-        <a:ext cx="2925960" cy="1755576"/>
+        <a:off x="1551673" y="802"/>
+        <a:ext cx="2980822" cy="1788493"/>
       </dsp:txXfrm>
     </dsp:sp>
     <dsp:sp modelId="{5CD47AC9-ABB4-4B0C-86C6-278D2AB19881}">
@@ -2900,8 +3054,8 @@
       </dsp:nvSpPr>
       <dsp:spPr>
         <a:xfrm>
-          <a:off x="3218557" y="36462"/>
-          <a:ext cx="2925960" cy="1755576"/>
+          <a:off x="4830578" y="802"/>
+          <a:ext cx="2980822" cy="1788493"/>
         </a:xfrm>
         <a:prstGeom prst="rect">
           <a:avLst/>
@@ -2968,8 +3122,8 @@
         </a:p>
       </dsp:txBody>
       <dsp:txXfrm>
-        <a:off x="3218557" y="36462"/>
-        <a:ext cx="2925960" cy="1755576"/>
+        <a:off x="4830578" y="802"/>
+        <a:ext cx="2980822" cy="1788493"/>
       </dsp:txXfrm>
     </dsp:sp>
     <dsp:sp modelId="{AD024C7C-1026-48D1-920E-8501E924294F}">
@@ -2979,8 +3133,8 @@
       </dsp:nvSpPr>
       <dsp:spPr>
         <a:xfrm>
-          <a:off x="6437114" y="36462"/>
-          <a:ext cx="2925960" cy="1755576"/>
+          <a:off x="1551673" y="2087378"/>
+          <a:ext cx="2980822" cy="1788493"/>
         </a:xfrm>
         <a:prstGeom prst="rect">
           <a:avLst/>
@@ -3047,19 +3201,19 @@
         </a:p>
       </dsp:txBody>
       <dsp:txXfrm>
-        <a:off x="6437114" y="36462"/>
-        <a:ext cx="2925960" cy="1755576"/>
+        <a:off x="1551673" y="2087378"/>
+        <a:ext cx="2980822" cy="1788493"/>
       </dsp:txXfrm>
     </dsp:sp>
-    <dsp:sp modelId="{D4572081-9816-44FA-BDB8-EF341FADF694}">
+    <dsp:sp modelId="{4EE7A912-9F75-4925-8952-18B728D9E89E}">
       <dsp:nvSpPr>
         <dsp:cNvPr id="0" name=""/>
         <dsp:cNvSpPr/>
       </dsp:nvSpPr>
       <dsp:spPr>
         <a:xfrm>
-          <a:off x="1609278" y="2084635"/>
-          <a:ext cx="2925960" cy="1755576"/>
+          <a:off x="4830578" y="2087378"/>
+          <a:ext cx="2980822" cy="1788493"/>
         </a:xfrm>
         <a:prstGeom prst="rect">
           <a:avLst/>
@@ -3119,94 +3273,23 @@
             <a:buNone/>
           </a:pPr>
           <a:r>
+            <a:rPr lang="en-US" sz="3300" kern="1200" dirty="0" err="1"/>
+            <a:t>Kreation</a:t>
+          </a:r>
+          <a:r>
             <a:rPr lang="en-US" sz="3300" kern="1200" dirty="0"/>
-            <a:t>Teil der </a:t>
+            <a:t> des </a:t>
           </a:r>
           <a:r>
             <a:rPr lang="en-US" sz="3300" kern="1200" dirty="0" err="1"/>
-            <a:t>Pushkaram</a:t>
+            <a:t>Universums</a:t>
           </a:r>
           <a:endParaRPr lang="en-DE" sz="3300" kern="1200" dirty="0"/>
         </a:p>
       </dsp:txBody>
       <dsp:txXfrm>
-        <a:off x="1609278" y="2084635"/>
-        <a:ext cx="2925960" cy="1755576"/>
-      </dsp:txXfrm>
-    </dsp:sp>
-    <dsp:sp modelId="{4EE7A912-9F75-4925-8952-18B728D9E89E}">
-      <dsp:nvSpPr>
-        <dsp:cNvPr id="0" name=""/>
-        <dsp:cNvSpPr/>
-      </dsp:nvSpPr>
-      <dsp:spPr>
-        <a:xfrm>
-          <a:off x="4827835" y="2084635"/>
-          <a:ext cx="2925960" cy="1755576"/>
-        </a:xfrm>
-        <a:prstGeom prst="rect">
-          <a:avLst/>
-        </a:prstGeom>
-        <a:solidFill>
-          <a:schemeClr val="accent4">
-            <a:hueOff val="0"/>
-            <a:satOff val="0"/>
-            <a:lumOff val="0"/>
-            <a:alphaOff val="0"/>
-          </a:schemeClr>
-        </a:solidFill>
-        <a:ln w="12700" cap="flat" cmpd="sng" algn="ctr">
-          <a:solidFill>
-            <a:schemeClr val="lt1">
-              <a:hueOff val="0"/>
-              <a:satOff val="0"/>
-              <a:lumOff val="0"/>
-              <a:alphaOff val="0"/>
-            </a:schemeClr>
-          </a:solidFill>
-          <a:prstDash val="solid"/>
-          <a:miter lim="800000"/>
-        </a:ln>
-        <a:effectLst/>
-      </dsp:spPr>
-      <dsp:style>
-        <a:lnRef idx="2">
-          <a:scrgbClr r="0" g="0" b="0"/>
-        </a:lnRef>
-        <a:fillRef idx="1">
-          <a:scrgbClr r="0" g="0" b="0"/>
-        </a:fillRef>
-        <a:effectRef idx="0">
-          <a:scrgbClr r="0" g="0" b="0"/>
-        </a:effectRef>
-        <a:fontRef idx="minor">
-          <a:schemeClr val="lt1"/>
-        </a:fontRef>
-      </dsp:style>
-      <dsp:txBody>
-        <a:bodyPr spcFirstLastPara="0" vert="horz" wrap="square" lIns="125730" tIns="125730" rIns="125730" bIns="125730" numCol="1" spcCol="1270" anchor="ctr" anchorCtr="0">
-          <a:noAutofit/>
-        </a:bodyPr>
-        <a:lstStyle/>
-        <a:p>
-          <a:pPr marL="0" lvl="0" indent="0" algn="ctr" defTabSz="1466850">
-            <a:lnSpc>
-              <a:spcPct val="90000"/>
-            </a:lnSpc>
-            <a:spcBef>
-              <a:spcPct val="0"/>
-            </a:spcBef>
-            <a:spcAft>
-              <a:spcPct val="35000"/>
-            </a:spcAft>
-            <a:buNone/>
-          </a:pPr>
-          <a:endParaRPr lang="en-DE" sz="3300" kern="1200" dirty="0"/>
-        </a:p>
-      </dsp:txBody>
-      <dsp:txXfrm>
-        <a:off x="4827835" y="2084635"/>
-        <a:ext cx="2925960" cy="1755576"/>
+        <a:off x="4830578" y="2087378"/>
+        <a:ext cx="2980822" cy="1788493"/>
       </dsp:txXfrm>
     </dsp:sp>
   </dsp:spTree>
@@ -46359,7 +46442,7 @@
             <p:ph idx="1"/>
             <p:extLst>
               <p:ext uri="{D42A27DB-BD31-4B8C-83A1-F6EECF244321}">
-                <p14:modId xmlns:p14="http://schemas.microsoft.com/office/powerpoint/2010/main" val="1541849294"/>
+                <p14:modId xmlns:p14="http://schemas.microsoft.com/office/powerpoint/2010/main" val="4099809635"/>
               </p:ext>
             </p:extLst>
           </p:nvPr>
@@ -46906,7 +46989,7 @@
             <p:ph idx="1"/>
             <p:extLst>
               <p:ext uri="{D42A27DB-BD31-4B8C-83A1-F6EECF244321}">
-                <p14:modId xmlns:p14="http://schemas.microsoft.com/office/powerpoint/2010/main" val="1222049290"/>
+                <p14:modId xmlns:p14="http://schemas.microsoft.com/office/powerpoint/2010/main" val="1451762426"/>
               </p:ext>
             </p:extLst>
           </p:nvPr>
